--- a/static/TravelerAdviser.pptx
+++ b/static/TravelerAdviser.pptx
@@ -15,8 +15,8 @@
     <p:sldId id="257" r:id="rId6"/>
     <p:sldId id="258" r:id="rId7"/>
     <p:sldId id="283" r:id="rId8"/>
-    <p:sldId id="291" r:id="rId9"/>
-    <p:sldId id="279" r:id="rId10"/>
+    <p:sldId id="279" r:id="rId9"/>
+    <p:sldId id="291" r:id="rId10"/>
     <p:sldId id="288" r:id="rId11"/>
     <p:sldId id="282" r:id="rId12"/>
     <p:sldId id="284" r:id="rId13"/>
@@ -268,7 +268,7 @@
               <a:pPr>
                 <a:defRPr/>
               </a:pPr>
-              <a:t>2019/12/30</a:t>
+              <a:t>2019/12/31</a:t>
             </a:fld>
             <a:endParaRPr lang="zh-CN" altLang="en-US"/>
           </a:p>
@@ -1959,78 +1959,24 @@
           <a:bodyPr/>
           <a:lstStyle/>
           <a:p>
-            <a:pPr marL="0" marR="0" lvl="0" indent="0" algn="r" defTabSz="914400" rtl="0" eaLnBrk="0" fontAlgn="base" latinLnBrk="0" hangingPunct="0">
-              <a:lnSpc>
-                <a:spcPct val="100000"/>
-              </a:lnSpc>
-              <a:spcBef>
-                <a:spcPct val="0"/>
-              </a:spcBef>
-              <a:spcAft>
-                <a:spcPct val="0"/>
-              </a:spcAft>
-              <a:buClrTx/>
-              <a:buSzTx/>
-              <a:buFontTx/>
-              <a:buNone/>
-              <a:tabLst/>
+            <a:pPr>
               <a:defRPr/>
             </a:pPr>
             <a:fld id="{450B44B9-1A80-4F6E-90F2-4E5525973523}" type="slidenum">
-              <a:rPr kumimoji="0" lang="zh-CN" altLang="en-US" sz="1200" b="0" i="0" u="none" strike="noStrike" kern="1200" cap="none" spc="0" normalizeH="0" baseline="0" noProof="0" smtClean="0">
-                <a:ln>
-                  <a:noFill/>
-                </a:ln>
-                <a:solidFill>
-                  <a:prstClr val="black"/>
-                </a:solidFill>
-                <a:effectLst/>
-                <a:uLnTx/>
-                <a:uFillTx/>
-                <a:latin typeface="Calibri" panose="020F0502020204030204" pitchFamily="34" charset="0"/>
-                <a:ea typeface="宋体" panose="02010600030101010101" pitchFamily="2" charset="-122"/>
-                <a:cs typeface="+mn-cs"/>
-              </a:rPr>
-              <a:pPr marL="0" marR="0" lvl="0" indent="0" algn="r" defTabSz="914400" rtl="0" eaLnBrk="0" fontAlgn="base" latinLnBrk="0" hangingPunct="0">
-                <a:lnSpc>
-                  <a:spcPct val="100000"/>
-                </a:lnSpc>
-                <a:spcBef>
-                  <a:spcPct val="0"/>
-                </a:spcBef>
-                <a:spcAft>
-                  <a:spcPct val="0"/>
-                </a:spcAft>
-                <a:buClrTx/>
-                <a:buSzTx/>
-                <a:buFontTx/>
-                <a:buNone/>
-                <a:tabLst/>
+              <a:rPr lang="zh-CN" altLang="en-US" smtClean="0"/>
+              <a:pPr>
                 <a:defRPr/>
               </a:pPr>
               <a:t>5</a:t>
             </a:fld>
-            <a:endParaRPr kumimoji="0" lang="zh-CN" altLang="en-US" sz="1200" b="0" i="0" u="none" strike="noStrike" kern="1200" cap="none" spc="0" normalizeH="0" baseline="0" noProof="0">
-              <a:ln>
-                <a:noFill/>
-              </a:ln>
-              <a:solidFill>
-                <a:prstClr val="black"/>
-              </a:solidFill>
-              <a:effectLst/>
-              <a:uLnTx/>
-              <a:uFillTx/>
-              <a:latin typeface="Calibri" panose="020F0502020204030204" pitchFamily="34" charset="0"/>
-              <a:ea typeface="宋体" panose="02010600030101010101" pitchFamily="2" charset="-122"/>
-              <a:cs typeface="+mn-cs"/>
-            </a:endParaRPr>
+            <a:endParaRPr lang="zh-CN" altLang="en-US"/>
           </a:p>
         </p:txBody>
       </p:sp>
     </p:spTree>
     <p:extLst>
       <p:ext uri="{BB962C8B-B14F-4D97-AF65-F5344CB8AC3E}">
-        <p14:creationId xmlns:p14="http://schemas.microsoft.com/office/powerpoint/2010/main" val="2102150286"/>
+        <p14:creationId xmlns:p14="http://schemas.microsoft.com/office/powerpoint/2010/main" val="3926507510"/>
       </p:ext>
     </p:extLst>
   </p:cSld>
@@ -2103,24 +2049,78 @@
           <a:bodyPr/>
           <a:lstStyle/>
           <a:p>
-            <a:pPr>
+            <a:pPr marL="0" marR="0" lvl="0" indent="0" algn="r" defTabSz="914400" rtl="0" eaLnBrk="0" fontAlgn="base" latinLnBrk="0" hangingPunct="0">
+              <a:lnSpc>
+                <a:spcPct val="100000"/>
+              </a:lnSpc>
+              <a:spcBef>
+                <a:spcPct val="0"/>
+              </a:spcBef>
+              <a:spcAft>
+                <a:spcPct val="0"/>
+              </a:spcAft>
+              <a:buClrTx/>
+              <a:buSzTx/>
+              <a:buFontTx/>
+              <a:buNone/>
+              <a:tabLst/>
               <a:defRPr/>
             </a:pPr>
             <a:fld id="{450B44B9-1A80-4F6E-90F2-4E5525973523}" type="slidenum">
-              <a:rPr lang="zh-CN" altLang="en-US" smtClean="0"/>
-              <a:pPr>
+              <a:rPr kumimoji="0" lang="zh-CN" altLang="en-US" sz="1200" b="0" i="0" u="none" strike="noStrike" kern="1200" cap="none" spc="0" normalizeH="0" baseline="0" noProof="0" smtClean="0">
+                <a:ln>
+                  <a:noFill/>
+                </a:ln>
+                <a:solidFill>
+                  <a:prstClr val="black"/>
+                </a:solidFill>
+                <a:effectLst/>
+                <a:uLnTx/>
+                <a:uFillTx/>
+                <a:latin typeface="Calibri" panose="020F0502020204030204" pitchFamily="34" charset="0"/>
+                <a:ea typeface="宋体" panose="02010600030101010101" pitchFamily="2" charset="-122"/>
+                <a:cs typeface="+mn-cs"/>
+              </a:rPr>
+              <a:pPr marL="0" marR="0" lvl="0" indent="0" algn="r" defTabSz="914400" rtl="0" eaLnBrk="0" fontAlgn="base" latinLnBrk="0" hangingPunct="0">
+                <a:lnSpc>
+                  <a:spcPct val="100000"/>
+                </a:lnSpc>
+                <a:spcBef>
+                  <a:spcPct val="0"/>
+                </a:spcBef>
+                <a:spcAft>
+                  <a:spcPct val="0"/>
+                </a:spcAft>
+                <a:buClrTx/>
+                <a:buSzTx/>
+                <a:buFontTx/>
+                <a:buNone/>
+                <a:tabLst/>
                 <a:defRPr/>
               </a:pPr>
               <a:t>6</a:t>
             </a:fld>
-            <a:endParaRPr lang="zh-CN" altLang="en-US"/>
+            <a:endParaRPr kumimoji="0" lang="zh-CN" altLang="en-US" sz="1200" b="0" i="0" u="none" strike="noStrike" kern="1200" cap="none" spc="0" normalizeH="0" baseline="0" noProof="0">
+              <a:ln>
+                <a:noFill/>
+              </a:ln>
+              <a:solidFill>
+                <a:prstClr val="black"/>
+              </a:solidFill>
+              <a:effectLst/>
+              <a:uLnTx/>
+              <a:uFillTx/>
+              <a:latin typeface="Calibri" panose="020F0502020204030204" pitchFamily="34" charset="0"/>
+              <a:ea typeface="宋体" panose="02010600030101010101" pitchFamily="2" charset="-122"/>
+              <a:cs typeface="+mn-cs"/>
+            </a:endParaRPr>
           </a:p>
         </p:txBody>
       </p:sp>
     </p:spTree>
     <p:extLst>
       <p:ext uri="{BB962C8B-B14F-4D97-AF65-F5344CB8AC3E}">
-        <p14:creationId xmlns:p14="http://schemas.microsoft.com/office/powerpoint/2010/main" val="3926507510"/>
+        <p14:creationId xmlns:p14="http://schemas.microsoft.com/office/powerpoint/2010/main" val="2102150286"/>
       </p:ext>
     </p:extLst>
   </p:cSld>
@@ -12505,6 +12505,13 @@
   <p:transition spd="med">
     <p:fade/>
   </p:transition>
+  <p:timing>
+    <p:tnLst>
+      <p:par>
+        <p:cTn id="1" dur="indefinite" restart="never" nodeType="tmRoot"/>
+      </p:par>
+    </p:tnLst>
+  </p:timing>
 </p:sld>
 </file>
 
@@ -15534,7 +15541,7 @@
                             </p:stCondLst>
                             <p:childTnLst>
                               <p:par>
-                                <p:cTn id="5" presetID="31" presetClass="entr" presetSubtype="0" fill="hold" nodeType="withEffect">
+                                <p:cTn id="5" presetID="10" presetClass="entr" presetSubtype="0" fill="hold" nodeType="afterEffect">
                                   <p:stCondLst>
                                     <p:cond delay="0"/>
                                   </p:stCondLst>
@@ -15542,119 +15549,6 @@
                                     <p:set>
                                       <p:cBhvr>
                                         <p:cTn id="6" dur="1" fill="hold">
-                                          <p:stCondLst>
-                                            <p:cond delay="0"/>
-                                          </p:stCondLst>
-                                        </p:cTn>
-                                        <p:tgtEl>
-                                          <p:spTgt spid="47"/>
-                                        </p:tgtEl>
-                                        <p:attrNameLst>
-                                          <p:attrName>style.visibility</p:attrName>
-                                        </p:attrNameLst>
-                                      </p:cBhvr>
-                                      <p:to>
-                                        <p:strVal val="visible"/>
-                                      </p:to>
-                                    </p:set>
-                                    <p:anim calcmode="lin" valueType="num">
-                                      <p:cBhvr>
-                                        <p:cTn id="7" dur="1000" fill="hold"/>
-                                        <p:tgtEl>
-                                          <p:spTgt spid="47"/>
-                                        </p:tgtEl>
-                                        <p:attrNameLst>
-                                          <p:attrName>ppt_w</p:attrName>
-                                        </p:attrNameLst>
-                                      </p:cBhvr>
-                                      <p:tavLst>
-                                        <p:tav tm="0">
-                                          <p:val>
-                                            <p:fltVal val="0"/>
-                                          </p:val>
-                                        </p:tav>
-                                        <p:tav tm="100000">
-                                          <p:val>
-                                            <p:strVal val="#ppt_w"/>
-                                          </p:val>
-                                        </p:tav>
-                                      </p:tavLst>
-                                    </p:anim>
-                                    <p:anim calcmode="lin" valueType="num">
-                                      <p:cBhvr>
-                                        <p:cTn id="8" dur="1000" fill="hold"/>
-                                        <p:tgtEl>
-                                          <p:spTgt spid="47"/>
-                                        </p:tgtEl>
-                                        <p:attrNameLst>
-                                          <p:attrName>ppt_h</p:attrName>
-                                        </p:attrNameLst>
-                                      </p:cBhvr>
-                                      <p:tavLst>
-                                        <p:tav tm="0">
-                                          <p:val>
-                                            <p:fltVal val="0"/>
-                                          </p:val>
-                                        </p:tav>
-                                        <p:tav tm="100000">
-                                          <p:val>
-                                            <p:strVal val="#ppt_h"/>
-                                          </p:val>
-                                        </p:tav>
-                                      </p:tavLst>
-                                    </p:anim>
-                                    <p:anim calcmode="lin" valueType="num">
-                                      <p:cBhvr>
-                                        <p:cTn id="9" dur="1000" fill="hold"/>
-                                        <p:tgtEl>
-                                          <p:spTgt spid="47"/>
-                                        </p:tgtEl>
-                                        <p:attrNameLst>
-                                          <p:attrName>style.rotation</p:attrName>
-                                        </p:attrNameLst>
-                                      </p:cBhvr>
-                                      <p:tavLst>
-                                        <p:tav tm="0">
-                                          <p:val>
-                                            <p:fltVal val="90"/>
-                                          </p:val>
-                                        </p:tav>
-                                        <p:tav tm="100000">
-                                          <p:val>
-                                            <p:fltVal val="0"/>
-                                          </p:val>
-                                        </p:tav>
-                                      </p:tavLst>
-                                    </p:anim>
-                                    <p:animEffect transition="in" filter="fade">
-                                      <p:cBhvr>
-                                        <p:cTn id="10" dur="1000"/>
-                                        <p:tgtEl>
-                                          <p:spTgt spid="47"/>
-                                        </p:tgtEl>
-                                      </p:cBhvr>
-                                    </p:animEffect>
-                                  </p:childTnLst>
-                                </p:cTn>
-                              </p:par>
-                            </p:childTnLst>
-                          </p:cTn>
-                        </p:par>
-                        <p:par>
-                          <p:cTn id="11" fill="hold">
-                            <p:stCondLst>
-                              <p:cond delay="1000"/>
-                            </p:stCondLst>
-                            <p:childTnLst>
-                              <p:par>
-                                <p:cTn id="12" presetID="10" presetClass="entr" presetSubtype="0" fill="hold" nodeType="afterEffect">
-                                  <p:stCondLst>
-                                    <p:cond delay="0"/>
-                                  </p:stCondLst>
-                                  <p:childTnLst>
-                                    <p:set>
-                                      <p:cBhvr>
-                                        <p:cTn id="13" dur="1" fill="hold">
                                           <p:stCondLst>
                                             <p:cond delay="0"/>
                                           </p:stCondLst>
@@ -15672,7 +15566,7 @@
                                     </p:set>
                                     <p:animEffect transition="in" filter="fade">
                                       <p:cBhvr>
-                                        <p:cTn id="14" dur="500"/>
+                                        <p:cTn id="7" dur="500"/>
                                         <p:tgtEl>
                                           <p:spTgt spid="52"/>
                                         </p:tgtEl>
@@ -15685,20 +15579,20 @@
                           </p:cTn>
                         </p:par>
                         <p:par>
-                          <p:cTn id="15" fill="hold">
+                          <p:cTn id="8" fill="hold">
                             <p:stCondLst>
-                              <p:cond delay="1500"/>
+                              <p:cond delay="500"/>
                             </p:stCondLst>
                             <p:childTnLst>
                               <p:par>
-                                <p:cTn id="16" presetID="10" presetClass="entr" presetSubtype="0" fill="hold" nodeType="afterEffect">
+                                <p:cTn id="9" presetID="10" presetClass="entr" presetSubtype="0" fill="hold" nodeType="afterEffect">
                                   <p:stCondLst>
                                     <p:cond delay="0"/>
                                   </p:stCondLst>
                                   <p:childTnLst>
                                     <p:set>
                                       <p:cBhvr>
-                                        <p:cTn id="17" dur="1" fill="hold">
+                                        <p:cTn id="10" dur="1" fill="hold">
                                           <p:stCondLst>
                                             <p:cond delay="0"/>
                                           </p:stCondLst>
@@ -15716,7 +15610,7 @@
                                     </p:set>
                                     <p:animEffect transition="in" filter="fade">
                                       <p:cBhvr>
-                                        <p:cTn id="18" dur="500"/>
+                                        <p:cTn id="11" dur="500"/>
                                         <p:tgtEl>
                                           <p:spTgt spid="57"/>
                                         </p:tgtEl>
@@ -15729,20 +15623,20 @@
                           </p:cTn>
                         </p:par>
                         <p:par>
-                          <p:cTn id="19" fill="hold">
+                          <p:cTn id="12" fill="hold">
                             <p:stCondLst>
-                              <p:cond delay="2000"/>
+                              <p:cond delay="1000"/>
                             </p:stCondLst>
                             <p:childTnLst>
                               <p:par>
-                                <p:cTn id="20" presetID="10" presetClass="entr" presetSubtype="0" fill="hold" nodeType="afterEffect">
+                                <p:cTn id="13" presetID="10" presetClass="entr" presetSubtype="0" fill="hold" nodeType="afterEffect">
                                   <p:stCondLst>
                                     <p:cond delay="0"/>
                                   </p:stCondLst>
                                   <p:childTnLst>
                                     <p:set>
                                       <p:cBhvr>
-                                        <p:cTn id="21" dur="1" fill="hold">
+                                        <p:cTn id="14" dur="1" fill="hold">
                                           <p:stCondLst>
                                             <p:cond delay="0"/>
                                           </p:stCondLst>
@@ -15760,7 +15654,7 @@
                                     </p:set>
                                     <p:animEffect transition="in" filter="fade">
                                       <p:cBhvr>
-                                        <p:cTn id="22" dur="500"/>
+                                        <p:cTn id="15" dur="500"/>
                                         <p:tgtEl>
                                           <p:spTgt spid="63"/>
                                         </p:tgtEl>
@@ -17863,6 +17757,13 @@
   <p:transition spd="med">
     <p:fade/>
   </p:transition>
+  <p:timing>
+    <p:tnLst>
+      <p:par>
+        <p:cTn id="1" dur="indefinite" restart="never" nodeType="tmRoot"/>
+      </p:par>
+    </p:tnLst>
+  </p:timing>
 </p:sld>
 </file>
 
@@ -19167,6 +19068,13 @@
   <p:transition spd="med">
     <p:fade/>
   </p:transition>
+  <p:timing>
+    <p:tnLst>
+      <p:par>
+        <p:cTn id="1" dur="indefinite" restart="never" nodeType="tmRoot"/>
+      </p:par>
+    </p:tnLst>
+  </p:timing>
 </p:sld>
 </file>
 
@@ -22329,6 +22237,13 @@
   <p:transition spd="med">
     <p:fade/>
   </p:transition>
+  <p:timing>
+    <p:tnLst>
+      <p:par>
+        <p:cTn id="1" dur="indefinite" restart="never" nodeType="tmRoot"/>
+      </p:par>
+    </p:tnLst>
+  </p:timing>
 </p:sld>
 </file>
 
@@ -22800,6 +22715,13 @@
   <p:transition spd="med">
     <p:fade/>
   </p:transition>
+  <p:timing>
+    <p:tnLst>
+      <p:par>
+        <p:cTn id="1" dur="indefinite" restart="never" nodeType="tmRoot"/>
+      </p:par>
+    </p:tnLst>
+  </p:timing>
 </p:sld>
 </file>
 
@@ -25166,6 +25088,13 @@
   <p:transition spd="med">
     <p:fade/>
   </p:transition>
+  <p:timing>
+    <p:tnLst>
+      <p:par>
+        <p:cTn id="1" dur="indefinite" restart="never" nodeType="tmRoot"/>
+      </p:par>
+    </p:tnLst>
+  </p:timing>
 </p:sld>
 </file>
 
@@ -26052,7 +25981,29 @@
                 <a:ea typeface="微軟正黑體" panose="020B0604030504040204" pitchFamily="34" charset="-120"/>
                 <a:cs typeface="Segoe UI" panose="020B0502040204020203" pitchFamily="34" charset="0"/>
               </a:rPr>
-              <a:t>網站架構簡介</a:t>
+              <a:t>網站特</a:t>
+            </a:r>
+            <a:r>
+              <a:rPr lang="zh-TW" altLang="en-US" sz="2400" b="1" dirty="0">
+                <a:solidFill>
+                  <a:srgbClr val="FFC000"/>
+                </a:solidFill>
+                <a:latin typeface="微軟正黑體" panose="020B0604030504040204" pitchFamily="34" charset="-120"/>
+                <a:ea typeface="微軟正黑體" panose="020B0604030504040204" pitchFamily="34" charset="-120"/>
+                <a:cs typeface="Segoe UI" panose="020B0502040204020203" pitchFamily="34" charset="0"/>
+              </a:rPr>
+              <a:t>色</a:t>
+            </a:r>
+            <a:r>
+              <a:rPr lang="zh-TW" altLang="en-US" sz="2400" b="1" dirty="0" smtClean="0">
+                <a:solidFill>
+                  <a:srgbClr val="FFC000"/>
+                </a:solidFill>
+                <a:latin typeface="微軟正黑體" panose="020B0604030504040204" pitchFamily="34" charset="-120"/>
+                <a:ea typeface="微軟正黑體" panose="020B0604030504040204" pitchFamily="34" charset="-120"/>
+                <a:cs typeface="Segoe UI" panose="020B0502040204020203" pitchFamily="34" charset="0"/>
+              </a:rPr>
+              <a:t>簡介</a:t>
             </a:r>
             <a:endParaRPr lang="en-US" altLang="zh-CN" sz="2400" b="1" dirty="0">
               <a:solidFill>
@@ -26868,7 +26819,21 @@
                 <a:latin typeface="微軟正黑體" panose="020B0604030504040204" pitchFamily="34" charset="-120"/>
                 <a:ea typeface="微軟正黑體" panose="020B0604030504040204" pitchFamily="34" charset="-120"/>
               </a:rPr>
-              <a:t>上，建立你知道的活動，並按下</a:t>
+              <a:t>上，建立</a:t>
+            </a:r>
+            <a:r>
+              <a:rPr lang="zh-TW" altLang="en-US" sz="2400" dirty="0" smtClean="0">
+                <a:latin typeface="微軟正黑體" panose="020B0604030504040204" pitchFamily="34" charset="-120"/>
+                <a:ea typeface="微軟正黑體" panose="020B0604030504040204" pitchFamily="34" charset="-120"/>
+              </a:rPr>
+              <a:t>你想推薦的</a:t>
+            </a:r>
+            <a:r>
+              <a:rPr lang="zh-TW" altLang="en-US" sz="2400" dirty="0" smtClean="0">
+                <a:latin typeface="微軟正黑體" panose="020B0604030504040204" pitchFamily="34" charset="-120"/>
+                <a:ea typeface="微軟正黑體" panose="020B0604030504040204" pitchFamily="34" charset="-120"/>
+              </a:rPr>
+              <a:t>活動，並按下</a:t>
             </a:r>
             <a:r>
               <a:rPr lang="en-US" altLang="zh-TW" sz="2400" dirty="0" smtClean="0">
@@ -26979,762 +26944,17 @@
   <p:transition spd="med">
     <p:fade/>
   </p:transition>
+  <p:timing>
+    <p:tnLst>
+      <p:par>
+        <p:cTn id="1" dur="indefinite" restart="never" nodeType="tmRoot"/>
+      </p:par>
+    </p:tnLst>
+  </p:timing>
 </p:sld>
 </file>
 
 <file path=ppt/slides/slide5.xml><?xml version="1.0" encoding="utf-8"?>
-<p:sld xmlns:a="http://schemas.openxmlformats.org/drawingml/2006/main" xmlns:r="http://schemas.openxmlformats.org/officeDocument/2006/relationships" xmlns:p="http://schemas.openxmlformats.org/presentationml/2006/main">
-  <p:cSld>
-    <p:spTree>
-      <p:nvGrpSpPr>
-        <p:cNvPr id="1" name=""/>
-        <p:cNvGrpSpPr/>
-        <p:nvPr/>
-      </p:nvGrpSpPr>
-      <p:grpSpPr>
-        <a:xfrm>
-          <a:off x="0" y="0"/>
-          <a:ext cx="0" cy="0"/>
-          <a:chOff x="0" y="0"/>
-          <a:chExt cx="0" cy="0"/>
-        </a:xfrm>
-      </p:grpSpPr>
-      <p:sp>
-        <p:nvSpPr>
-          <p:cNvPr id="49154" name="文本框 2"/>
-          <p:cNvSpPr txBox="1">
-            <a:spLocks noChangeArrowheads="1"/>
-          </p:cNvSpPr>
-          <p:nvPr/>
-        </p:nvSpPr>
-        <p:spPr bwMode="auto">
-          <a:xfrm>
-            <a:off x="790575" y="128588"/>
-            <a:ext cx="2747868" cy="523220"/>
-          </a:xfrm>
-          <a:prstGeom prst="rect">
-            <a:avLst/>
-          </a:prstGeom>
-          <a:noFill/>
-          <a:ln>
-            <a:noFill/>
-          </a:ln>
-          <a:extLst>
-            <a:ext uri="{909E8E84-426E-40DD-AFC4-6F175D3DCCD1}">
-              <a14:hiddenFill xmlns:a14="http://schemas.microsoft.com/office/drawing/2010/main">
-                <a:solidFill>
-                  <a:srgbClr val="FFFFFF"/>
-                </a:solidFill>
-              </a14:hiddenFill>
-            </a:ext>
-            <a:ext uri="{91240B29-F687-4F45-9708-019B960494DF}">
-              <a14:hiddenLine xmlns:a14="http://schemas.microsoft.com/office/drawing/2010/main" w="9525">
-                <a:solidFill>
-                  <a:srgbClr val="000000"/>
-                </a:solidFill>
-                <a:miter lim="800000"/>
-                <a:headEnd/>
-                <a:tailEnd/>
-              </a14:hiddenLine>
-            </a:ext>
-          </a:extLst>
-        </p:spPr>
-        <p:txBody>
-          <a:bodyPr wrap="none">
-            <a:spAutoFit/>
-          </a:bodyPr>
-          <a:lstStyle>
-            <a:lvl1pPr>
-              <a:defRPr>
-                <a:solidFill>
-                  <a:schemeClr val="tx1"/>
-                </a:solidFill>
-                <a:latin typeface="Calibri" panose="020F0502020204030204" pitchFamily="34" charset="0"/>
-                <a:ea typeface="宋体" panose="02010600030101010101" pitchFamily="2" charset="-122"/>
-              </a:defRPr>
-            </a:lvl1pPr>
-            <a:lvl2pPr marL="742950" indent="-285750">
-              <a:defRPr>
-                <a:solidFill>
-                  <a:schemeClr val="tx1"/>
-                </a:solidFill>
-                <a:latin typeface="Calibri" panose="020F0502020204030204" pitchFamily="34" charset="0"/>
-                <a:ea typeface="宋体" panose="02010600030101010101" pitchFamily="2" charset="-122"/>
-              </a:defRPr>
-            </a:lvl2pPr>
-            <a:lvl3pPr marL="1143000" indent="-228600">
-              <a:defRPr>
-                <a:solidFill>
-                  <a:schemeClr val="tx1"/>
-                </a:solidFill>
-                <a:latin typeface="Calibri" panose="020F0502020204030204" pitchFamily="34" charset="0"/>
-                <a:ea typeface="宋体" panose="02010600030101010101" pitchFamily="2" charset="-122"/>
-              </a:defRPr>
-            </a:lvl3pPr>
-            <a:lvl4pPr marL="1600200" indent="-228600">
-              <a:defRPr>
-                <a:solidFill>
-                  <a:schemeClr val="tx1"/>
-                </a:solidFill>
-                <a:latin typeface="Calibri" panose="020F0502020204030204" pitchFamily="34" charset="0"/>
-                <a:ea typeface="宋体" panose="02010600030101010101" pitchFamily="2" charset="-122"/>
-              </a:defRPr>
-            </a:lvl4pPr>
-            <a:lvl5pPr marL="2057400" indent="-228600">
-              <a:defRPr>
-                <a:solidFill>
-                  <a:schemeClr val="tx1"/>
-                </a:solidFill>
-                <a:latin typeface="Calibri" panose="020F0502020204030204" pitchFamily="34" charset="0"/>
-                <a:ea typeface="宋体" panose="02010600030101010101" pitchFamily="2" charset="-122"/>
-              </a:defRPr>
-            </a:lvl5pPr>
-            <a:lvl6pPr marL="2514600" indent="-228600" eaLnBrk="0" fontAlgn="base" hangingPunct="0">
-              <a:spcBef>
-                <a:spcPct val="0"/>
-              </a:spcBef>
-              <a:spcAft>
-                <a:spcPct val="0"/>
-              </a:spcAft>
-              <a:defRPr>
-                <a:solidFill>
-                  <a:schemeClr val="tx1"/>
-                </a:solidFill>
-                <a:latin typeface="Calibri" panose="020F0502020204030204" pitchFamily="34" charset="0"/>
-                <a:ea typeface="宋体" panose="02010600030101010101" pitchFamily="2" charset="-122"/>
-              </a:defRPr>
-            </a:lvl6pPr>
-            <a:lvl7pPr marL="2971800" indent="-228600" eaLnBrk="0" fontAlgn="base" hangingPunct="0">
-              <a:spcBef>
-                <a:spcPct val="0"/>
-              </a:spcBef>
-              <a:spcAft>
-                <a:spcPct val="0"/>
-              </a:spcAft>
-              <a:defRPr>
-                <a:solidFill>
-                  <a:schemeClr val="tx1"/>
-                </a:solidFill>
-                <a:latin typeface="Calibri" panose="020F0502020204030204" pitchFamily="34" charset="0"/>
-                <a:ea typeface="宋体" panose="02010600030101010101" pitchFamily="2" charset="-122"/>
-              </a:defRPr>
-            </a:lvl7pPr>
-            <a:lvl8pPr marL="3429000" indent="-228600" eaLnBrk="0" fontAlgn="base" hangingPunct="0">
-              <a:spcBef>
-                <a:spcPct val="0"/>
-              </a:spcBef>
-              <a:spcAft>
-                <a:spcPct val="0"/>
-              </a:spcAft>
-              <a:defRPr>
-                <a:solidFill>
-                  <a:schemeClr val="tx1"/>
-                </a:solidFill>
-                <a:latin typeface="Calibri" panose="020F0502020204030204" pitchFamily="34" charset="0"/>
-                <a:ea typeface="宋体" panose="02010600030101010101" pitchFamily="2" charset="-122"/>
-              </a:defRPr>
-            </a:lvl8pPr>
-            <a:lvl9pPr marL="3886200" indent="-228600" eaLnBrk="0" fontAlgn="base" hangingPunct="0">
-              <a:spcBef>
-                <a:spcPct val="0"/>
-              </a:spcBef>
-              <a:spcAft>
-                <a:spcPct val="0"/>
-              </a:spcAft>
-              <a:defRPr>
-                <a:solidFill>
-                  <a:schemeClr val="tx1"/>
-                </a:solidFill>
-                <a:latin typeface="Calibri" panose="020F0502020204030204" pitchFamily="34" charset="0"/>
-                <a:ea typeface="宋体" panose="02010600030101010101" pitchFamily="2" charset="-122"/>
-              </a:defRPr>
-            </a:lvl9pPr>
-          </a:lstStyle>
-          <a:p>
-            <a:pPr marL="0" marR="0" lvl="0" indent="0" algn="l" defTabSz="914400" rtl="0" eaLnBrk="1" fontAlgn="base" latinLnBrk="0" hangingPunct="1">
-              <a:lnSpc>
-                <a:spcPct val="100000"/>
-              </a:lnSpc>
-              <a:spcBef>
-                <a:spcPct val="0"/>
-              </a:spcBef>
-              <a:spcAft>
-                <a:spcPct val="0"/>
-              </a:spcAft>
-              <a:buClrTx/>
-              <a:buSzTx/>
-              <a:buFont typeface="Arial" panose="020B0604020202020204" pitchFamily="34" charset="0"/>
-              <a:buNone/>
-              <a:tabLst/>
-              <a:defRPr/>
-            </a:pPr>
-            <a:r>
-              <a:rPr kumimoji="0" lang="zh-TW" altLang="en-US" sz="2800" b="1" i="0" u="none" strike="noStrike" kern="1200" cap="none" spc="0" normalizeH="0" baseline="0" noProof="0" dirty="0" smtClean="0">
-                <a:ln>
-                  <a:noFill/>
-                </a:ln>
-                <a:solidFill>
-                  <a:srgbClr val="FFFFFF"/>
-                </a:solidFill>
-                <a:effectLst/>
-                <a:uLnTx/>
-                <a:uFillTx/>
-                <a:latin typeface="微软雅黑" panose="020B0503020204020204" pitchFamily="34" charset="-122"/>
-                <a:ea typeface="微软雅黑" panose="020B0503020204020204" pitchFamily="34" charset="-122"/>
-                <a:cs typeface="+mn-cs"/>
-              </a:rPr>
-              <a:t>網站簡介 </a:t>
-            </a:r>
-            <a:r>
-              <a:rPr kumimoji="0" lang="en-US" altLang="zh-TW" sz="2800" b="1" i="0" u="none" strike="noStrike" kern="1200" cap="none" spc="0" normalizeH="0" baseline="0" noProof="0" dirty="0" smtClean="0">
-                <a:ln>
-                  <a:noFill/>
-                </a:ln>
-                <a:solidFill>
-                  <a:srgbClr val="FFFFFF"/>
-                </a:solidFill>
-                <a:effectLst/>
-                <a:uLnTx/>
-                <a:uFillTx/>
-                <a:latin typeface="微软雅黑" panose="020B0503020204020204" pitchFamily="34" charset="-122"/>
-                <a:ea typeface="微软雅黑" panose="020B0503020204020204" pitchFamily="34" charset="-122"/>
-                <a:cs typeface="+mn-cs"/>
-              </a:rPr>
-              <a:t>– </a:t>
-            </a:r>
-            <a:r>
-              <a:rPr kumimoji="0" lang="zh-TW" altLang="en-US" sz="2800" b="1" i="0" u="none" strike="noStrike" kern="1200" cap="none" spc="0" normalizeH="0" baseline="0" noProof="0" dirty="0" smtClean="0">
-                <a:ln>
-                  <a:noFill/>
-                </a:ln>
-                <a:solidFill>
-                  <a:srgbClr val="FFFFFF"/>
-                </a:solidFill>
-                <a:effectLst/>
-                <a:uLnTx/>
-                <a:uFillTx/>
-                <a:latin typeface="微软雅黑" panose="020B0503020204020204" pitchFamily="34" charset="-122"/>
-                <a:ea typeface="微软雅黑" panose="020B0503020204020204" pitchFamily="34" charset="-122"/>
-                <a:cs typeface="+mn-cs"/>
-              </a:rPr>
-              <a:t>網址</a:t>
-            </a:r>
-            <a:endParaRPr kumimoji="0" lang="zh-CN" altLang="en-US" sz="2800" b="1" i="0" u="none" strike="noStrike" kern="1200" cap="none" spc="0" normalizeH="0" baseline="0" noProof="0" dirty="0">
-              <a:ln>
-                <a:noFill/>
-              </a:ln>
-              <a:solidFill>
-                <a:srgbClr val="FFFFFF"/>
-              </a:solidFill>
-              <a:effectLst/>
-              <a:uLnTx/>
-              <a:uFillTx/>
-              <a:latin typeface="微软雅黑" panose="020B0503020204020204" pitchFamily="34" charset="-122"/>
-              <a:ea typeface="微软雅黑" panose="020B0503020204020204" pitchFamily="34" charset="-122"/>
-              <a:cs typeface="+mn-cs"/>
-            </a:endParaRPr>
-          </a:p>
-        </p:txBody>
-      </p:sp>
-      <p:grpSp>
-        <p:nvGrpSpPr>
-          <p:cNvPr id="49155" name="Group 3"/>
-          <p:cNvGrpSpPr>
-            <a:grpSpLocks/>
-          </p:cNvGrpSpPr>
-          <p:nvPr/>
-        </p:nvGrpSpPr>
-        <p:grpSpPr bwMode="auto">
-          <a:xfrm>
-            <a:off x="271463" y="223838"/>
-            <a:ext cx="474662" cy="290512"/>
-            <a:chOff x="0" y="0"/>
-            <a:chExt cx="714375" cy="438150"/>
-          </a:xfrm>
-        </p:grpSpPr>
-        <p:sp>
-          <p:nvSpPr>
-            <p:cNvPr id="49243" name="燕尾形 4"/>
-            <p:cNvSpPr>
-              <a:spLocks noChangeArrowheads="1"/>
-            </p:cNvSpPr>
-            <p:nvPr/>
-          </p:nvSpPr>
-          <p:spPr bwMode="auto">
-            <a:xfrm>
-              <a:off x="0" y="0"/>
-              <a:ext cx="438150" cy="438150"/>
-            </a:xfrm>
-            <a:prstGeom prst="chevron">
-              <a:avLst>
-                <a:gd name="adj" fmla="val 50000"/>
-              </a:avLst>
-            </a:prstGeom>
-            <a:solidFill>
-              <a:srgbClr val="FFC000"/>
-            </a:solidFill>
-            <a:ln>
-              <a:noFill/>
-            </a:ln>
-            <a:extLst>
-              <a:ext uri="{91240B29-F687-4F45-9708-019B960494DF}">
-                <a14:hiddenLine xmlns:a14="http://schemas.microsoft.com/office/drawing/2010/main" w="9525">
-                  <a:solidFill>
-                    <a:srgbClr val="000000"/>
-                  </a:solidFill>
-                  <a:miter lim="800000"/>
-                  <a:headEnd/>
-                  <a:tailEnd/>
-                </a14:hiddenLine>
-              </a:ext>
-            </a:extLst>
-          </p:spPr>
-          <p:txBody>
-            <a:bodyPr anchor="ctr"/>
-            <a:lstStyle>
-              <a:lvl1pPr>
-                <a:defRPr>
-                  <a:solidFill>
-                    <a:schemeClr val="tx1"/>
-                  </a:solidFill>
-                  <a:latin typeface="Calibri" panose="020F0502020204030204" pitchFamily="34" charset="0"/>
-                  <a:ea typeface="宋体" panose="02010600030101010101" pitchFamily="2" charset="-122"/>
-                </a:defRPr>
-              </a:lvl1pPr>
-              <a:lvl2pPr marL="742950" indent="-285750">
-                <a:defRPr>
-                  <a:solidFill>
-                    <a:schemeClr val="tx1"/>
-                  </a:solidFill>
-                  <a:latin typeface="Calibri" panose="020F0502020204030204" pitchFamily="34" charset="0"/>
-                  <a:ea typeface="宋体" panose="02010600030101010101" pitchFamily="2" charset="-122"/>
-                </a:defRPr>
-              </a:lvl2pPr>
-              <a:lvl3pPr marL="1143000" indent="-228600">
-                <a:defRPr>
-                  <a:solidFill>
-                    <a:schemeClr val="tx1"/>
-                  </a:solidFill>
-                  <a:latin typeface="Calibri" panose="020F0502020204030204" pitchFamily="34" charset="0"/>
-                  <a:ea typeface="宋体" panose="02010600030101010101" pitchFamily="2" charset="-122"/>
-                </a:defRPr>
-              </a:lvl3pPr>
-              <a:lvl4pPr marL="1600200" indent="-228600">
-                <a:defRPr>
-                  <a:solidFill>
-                    <a:schemeClr val="tx1"/>
-                  </a:solidFill>
-                  <a:latin typeface="Calibri" panose="020F0502020204030204" pitchFamily="34" charset="0"/>
-                  <a:ea typeface="宋体" panose="02010600030101010101" pitchFamily="2" charset="-122"/>
-                </a:defRPr>
-              </a:lvl4pPr>
-              <a:lvl5pPr marL="2057400" indent="-228600">
-                <a:defRPr>
-                  <a:solidFill>
-                    <a:schemeClr val="tx1"/>
-                  </a:solidFill>
-                  <a:latin typeface="Calibri" panose="020F0502020204030204" pitchFamily="34" charset="0"/>
-                  <a:ea typeface="宋体" panose="02010600030101010101" pitchFamily="2" charset="-122"/>
-                </a:defRPr>
-              </a:lvl5pPr>
-              <a:lvl6pPr marL="2514600" indent="-228600" eaLnBrk="0" fontAlgn="base" hangingPunct="0">
-                <a:spcBef>
-                  <a:spcPct val="0"/>
-                </a:spcBef>
-                <a:spcAft>
-                  <a:spcPct val="0"/>
-                </a:spcAft>
-                <a:defRPr>
-                  <a:solidFill>
-                    <a:schemeClr val="tx1"/>
-                  </a:solidFill>
-                  <a:latin typeface="Calibri" panose="020F0502020204030204" pitchFamily="34" charset="0"/>
-                  <a:ea typeface="宋体" panose="02010600030101010101" pitchFamily="2" charset="-122"/>
-                </a:defRPr>
-              </a:lvl6pPr>
-              <a:lvl7pPr marL="2971800" indent="-228600" eaLnBrk="0" fontAlgn="base" hangingPunct="0">
-                <a:spcBef>
-                  <a:spcPct val="0"/>
-                </a:spcBef>
-                <a:spcAft>
-                  <a:spcPct val="0"/>
-                </a:spcAft>
-                <a:defRPr>
-                  <a:solidFill>
-                    <a:schemeClr val="tx1"/>
-                  </a:solidFill>
-                  <a:latin typeface="Calibri" panose="020F0502020204030204" pitchFamily="34" charset="0"/>
-                  <a:ea typeface="宋体" panose="02010600030101010101" pitchFamily="2" charset="-122"/>
-                </a:defRPr>
-              </a:lvl7pPr>
-              <a:lvl8pPr marL="3429000" indent="-228600" eaLnBrk="0" fontAlgn="base" hangingPunct="0">
-                <a:spcBef>
-                  <a:spcPct val="0"/>
-                </a:spcBef>
-                <a:spcAft>
-                  <a:spcPct val="0"/>
-                </a:spcAft>
-                <a:defRPr>
-                  <a:solidFill>
-                    <a:schemeClr val="tx1"/>
-                  </a:solidFill>
-                  <a:latin typeface="Calibri" panose="020F0502020204030204" pitchFamily="34" charset="0"/>
-                  <a:ea typeface="宋体" panose="02010600030101010101" pitchFamily="2" charset="-122"/>
-                </a:defRPr>
-              </a:lvl8pPr>
-              <a:lvl9pPr marL="3886200" indent="-228600" eaLnBrk="0" fontAlgn="base" hangingPunct="0">
-                <a:spcBef>
-                  <a:spcPct val="0"/>
-                </a:spcBef>
-                <a:spcAft>
-                  <a:spcPct val="0"/>
-                </a:spcAft>
-                <a:defRPr>
-                  <a:solidFill>
-                    <a:schemeClr val="tx1"/>
-                  </a:solidFill>
-                  <a:latin typeface="Calibri" panose="020F0502020204030204" pitchFamily="34" charset="0"/>
-                  <a:ea typeface="宋体" panose="02010600030101010101" pitchFamily="2" charset="-122"/>
-                </a:defRPr>
-              </a:lvl9pPr>
-            </a:lstStyle>
-            <a:p>
-              <a:pPr marL="0" marR="0" lvl="0" indent="0" algn="ctr" defTabSz="914400" rtl="0" eaLnBrk="1" fontAlgn="base" latinLnBrk="0" hangingPunct="1">
-                <a:lnSpc>
-                  <a:spcPct val="100000"/>
-                </a:lnSpc>
-                <a:spcBef>
-                  <a:spcPct val="0"/>
-                </a:spcBef>
-                <a:spcAft>
-                  <a:spcPct val="0"/>
-                </a:spcAft>
-                <a:buClrTx/>
-                <a:buSzTx/>
-                <a:buFont typeface="Arial" panose="020B0604020202020204" pitchFamily="34" charset="0"/>
-                <a:buNone/>
-                <a:tabLst/>
-                <a:defRPr/>
-              </a:pPr>
-              <a:endParaRPr kumimoji="0" lang="zh-CN" altLang="en-US" sz="1800" b="0" i="0" u="none" strike="noStrike" kern="1200" cap="none" spc="0" normalizeH="0" baseline="0" noProof="0">
-                <a:ln>
-                  <a:noFill/>
-                </a:ln>
-                <a:solidFill>
-                  <a:srgbClr val="000000"/>
-                </a:solidFill>
-                <a:effectLst/>
-                <a:uLnTx/>
-                <a:uFillTx/>
-                <a:latin typeface="Calibri" panose="020F0502020204030204" pitchFamily="34" charset="0"/>
-                <a:ea typeface="宋体" panose="02010600030101010101" pitchFamily="2" charset="-122"/>
-                <a:cs typeface="+mn-cs"/>
-              </a:endParaRPr>
-            </a:p>
-          </p:txBody>
-        </p:sp>
-        <p:sp>
-          <p:nvSpPr>
-            <p:cNvPr id="49244" name="燕尾形 5"/>
-            <p:cNvSpPr>
-              <a:spLocks noChangeArrowheads="1"/>
-            </p:cNvSpPr>
-            <p:nvPr/>
-          </p:nvSpPr>
-          <p:spPr bwMode="auto">
-            <a:xfrm>
-              <a:off x="276225" y="0"/>
-              <a:ext cx="438150" cy="438150"/>
-            </a:xfrm>
-            <a:prstGeom prst="chevron">
-              <a:avLst>
-                <a:gd name="adj" fmla="val 50000"/>
-              </a:avLst>
-            </a:prstGeom>
-            <a:solidFill>
-              <a:schemeClr val="bg1"/>
-            </a:solidFill>
-            <a:ln>
-              <a:noFill/>
-            </a:ln>
-            <a:extLst>
-              <a:ext uri="{91240B29-F687-4F45-9708-019B960494DF}">
-                <a14:hiddenLine xmlns:a14="http://schemas.microsoft.com/office/drawing/2010/main" w="9525">
-                  <a:solidFill>
-                    <a:srgbClr val="000000"/>
-                  </a:solidFill>
-                  <a:miter lim="800000"/>
-                  <a:headEnd/>
-                  <a:tailEnd/>
-                </a14:hiddenLine>
-              </a:ext>
-            </a:extLst>
-          </p:spPr>
-          <p:txBody>
-            <a:bodyPr anchor="ctr"/>
-            <a:lstStyle>
-              <a:lvl1pPr>
-                <a:defRPr>
-                  <a:solidFill>
-                    <a:schemeClr val="tx1"/>
-                  </a:solidFill>
-                  <a:latin typeface="Calibri" panose="020F0502020204030204" pitchFamily="34" charset="0"/>
-                  <a:ea typeface="宋体" panose="02010600030101010101" pitchFamily="2" charset="-122"/>
-                </a:defRPr>
-              </a:lvl1pPr>
-              <a:lvl2pPr marL="742950" indent="-285750">
-                <a:defRPr>
-                  <a:solidFill>
-                    <a:schemeClr val="tx1"/>
-                  </a:solidFill>
-                  <a:latin typeface="Calibri" panose="020F0502020204030204" pitchFamily="34" charset="0"/>
-                  <a:ea typeface="宋体" panose="02010600030101010101" pitchFamily="2" charset="-122"/>
-                </a:defRPr>
-              </a:lvl2pPr>
-              <a:lvl3pPr marL="1143000" indent="-228600">
-                <a:defRPr>
-                  <a:solidFill>
-                    <a:schemeClr val="tx1"/>
-                  </a:solidFill>
-                  <a:latin typeface="Calibri" panose="020F0502020204030204" pitchFamily="34" charset="0"/>
-                  <a:ea typeface="宋体" panose="02010600030101010101" pitchFamily="2" charset="-122"/>
-                </a:defRPr>
-              </a:lvl3pPr>
-              <a:lvl4pPr marL="1600200" indent="-228600">
-                <a:defRPr>
-                  <a:solidFill>
-                    <a:schemeClr val="tx1"/>
-                  </a:solidFill>
-                  <a:latin typeface="Calibri" panose="020F0502020204030204" pitchFamily="34" charset="0"/>
-                  <a:ea typeface="宋体" panose="02010600030101010101" pitchFamily="2" charset="-122"/>
-                </a:defRPr>
-              </a:lvl4pPr>
-              <a:lvl5pPr marL="2057400" indent="-228600">
-                <a:defRPr>
-                  <a:solidFill>
-                    <a:schemeClr val="tx1"/>
-                  </a:solidFill>
-                  <a:latin typeface="Calibri" panose="020F0502020204030204" pitchFamily="34" charset="0"/>
-                  <a:ea typeface="宋体" panose="02010600030101010101" pitchFamily="2" charset="-122"/>
-                </a:defRPr>
-              </a:lvl5pPr>
-              <a:lvl6pPr marL="2514600" indent="-228600" eaLnBrk="0" fontAlgn="base" hangingPunct="0">
-                <a:spcBef>
-                  <a:spcPct val="0"/>
-                </a:spcBef>
-                <a:spcAft>
-                  <a:spcPct val="0"/>
-                </a:spcAft>
-                <a:defRPr>
-                  <a:solidFill>
-                    <a:schemeClr val="tx1"/>
-                  </a:solidFill>
-                  <a:latin typeface="Calibri" panose="020F0502020204030204" pitchFamily="34" charset="0"/>
-                  <a:ea typeface="宋体" panose="02010600030101010101" pitchFamily="2" charset="-122"/>
-                </a:defRPr>
-              </a:lvl6pPr>
-              <a:lvl7pPr marL="2971800" indent="-228600" eaLnBrk="0" fontAlgn="base" hangingPunct="0">
-                <a:spcBef>
-                  <a:spcPct val="0"/>
-                </a:spcBef>
-                <a:spcAft>
-                  <a:spcPct val="0"/>
-                </a:spcAft>
-                <a:defRPr>
-                  <a:solidFill>
-                    <a:schemeClr val="tx1"/>
-                  </a:solidFill>
-                  <a:latin typeface="Calibri" panose="020F0502020204030204" pitchFamily="34" charset="0"/>
-                  <a:ea typeface="宋体" panose="02010600030101010101" pitchFamily="2" charset="-122"/>
-                </a:defRPr>
-              </a:lvl7pPr>
-              <a:lvl8pPr marL="3429000" indent="-228600" eaLnBrk="0" fontAlgn="base" hangingPunct="0">
-                <a:spcBef>
-                  <a:spcPct val="0"/>
-                </a:spcBef>
-                <a:spcAft>
-                  <a:spcPct val="0"/>
-                </a:spcAft>
-                <a:defRPr>
-                  <a:solidFill>
-                    <a:schemeClr val="tx1"/>
-                  </a:solidFill>
-                  <a:latin typeface="Calibri" panose="020F0502020204030204" pitchFamily="34" charset="0"/>
-                  <a:ea typeface="宋体" panose="02010600030101010101" pitchFamily="2" charset="-122"/>
-                </a:defRPr>
-              </a:lvl8pPr>
-              <a:lvl9pPr marL="3886200" indent="-228600" eaLnBrk="0" fontAlgn="base" hangingPunct="0">
-                <a:spcBef>
-                  <a:spcPct val="0"/>
-                </a:spcBef>
-                <a:spcAft>
-                  <a:spcPct val="0"/>
-                </a:spcAft>
-                <a:defRPr>
-                  <a:solidFill>
-                    <a:schemeClr val="tx1"/>
-                  </a:solidFill>
-                  <a:latin typeface="Calibri" panose="020F0502020204030204" pitchFamily="34" charset="0"/>
-                  <a:ea typeface="宋体" panose="02010600030101010101" pitchFamily="2" charset="-122"/>
-                </a:defRPr>
-              </a:lvl9pPr>
-            </a:lstStyle>
-            <a:p>
-              <a:pPr marL="0" marR="0" lvl="0" indent="0" algn="ctr" defTabSz="914400" rtl="0" eaLnBrk="1" fontAlgn="base" latinLnBrk="0" hangingPunct="1">
-                <a:lnSpc>
-                  <a:spcPct val="100000"/>
-                </a:lnSpc>
-                <a:spcBef>
-                  <a:spcPct val="0"/>
-                </a:spcBef>
-                <a:spcAft>
-                  <a:spcPct val="0"/>
-                </a:spcAft>
-                <a:buClrTx/>
-                <a:buSzTx/>
-                <a:buFont typeface="Arial" panose="020B0604020202020204" pitchFamily="34" charset="0"/>
-                <a:buNone/>
-                <a:tabLst/>
-                <a:defRPr/>
-              </a:pPr>
-              <a:endParaRPr kumimoji="0" lang="zh-CN" altLang="en-US" sz="1800" b="0" i="0" u="none" strike="noStrike" kern="1200" cap="none" spc="0" normalizeH="0" baseline="0" noProof="0">
-                <a:ln>
-                  <a:noFill/>
-                </a:ln>
-                <a:solidFill>
-                  <a:srgbClr val="000000"/>
-                </a:solidFill>
-                <a:effectLst/>
-                <a:uLnTx/>
-                <a:uFillTx/>
-                <a:latin typeface="Calibri" panose="020F0502020204030204" pitchFamily="34" charset="0"/>
-                <a:ea typeface="宋体" panose="02010600030101010101" pitchFamily="2" charset="-122"/>
-                <a:cs typeface="+mn-cs"/>
-              </a:endParaRPr>
-            </a:p>
-          </p:txBody>
-        </p:sp>
-      </p:grpSp>
-      <p:pic>
-        <p:nvPicPr>
-          <p:cNvPr id="2" name="圖片 1"/>
-          <p:cNvPicPr>
-            <a:picLocks noChangeAspect="1"/>
-          </p:cNvPicPr>
-          <p:nvPr/>
-        </p:nvPicPr>
-        <p:blipFill>
-          <a:blip r:embed="rId3"/>
-          <a:stretch>
-            <a:fillRect/>
-          </a:stretch>
-        </p:blipFill>
-        <p:spPr>
-          <a:xfrm>
-            <a:off x="746125" y="1143000"/>
-            <a:ext cx="4947327" cy="5116756"/>
-          </a:xfrm>
-          <a:prstGeom prst="rect">
-            <a:avLst/>
-          </a:prstGeom>
-        </p:spPr>
-      </p:pic>
-      <p:sp>
-        <p:nvSpPr>
-          <p:cNvPr id="3" name="文字方塊 2"/>
-          <p:cNvSpPr txBox="1"/>
-          <p:nvPr/>
-        </p:nvSpPr>
-        <p:spPr>
-          <a:xfrm>
-            <a:off x="6471137" y="5855676"/>
-            <a:ext cx="6655777" cy="523220"/>
-          </a:xfrm>
-          <a:prstGeom prst="rect">
-            <a:avLst/>
-          </a:prstGeom>
-          <a:noFill/>
-        </p:spPr>
-        <p:txBody>
-          <a:bodyPr wrap="square" rtlCol="0">
-            <a:spAutoFit/>
-          </a:bodyPr>
-          <a:lstStyle/>
-          <a:p>
-            <a:r>
-              <a:rPr lang="en-US" altLang="zh-TW" sz="2800" dirty="0">
-                <a:hlinkClick r:id="rId4"/>
-              </a:rPr>
-              <a:t>http://140.121.199.231:27018/index</a:t>
-            </a:r>
-            <a:endParaRPr lang="zh-TW" altLang="en-US" sz="2800" dirty="0"/>
-          </a:p>
-        </p:txBody>
-      </p:sp>
-      <p:pic>
-        <p:nvPicPr>
-          <p:cNvPr id="4" name="圖片 3"/>
-          <p:cNvPicPr>
-            <a:picLocks noChangeAspect="1"/>
-          </p:cNvPicPr>
-          <p:nvPr/>
-        </p:nvPicPr>
-        <p:blipFill>
-          <a:blip r:embed="rId5"/>
-          <a:stretch>
-            <a:fillRect/>
-          </a:stretch>
-        </p:blipFill>
-        <p:spPr>
-          <a:xfrm>
-            <a:off x="5876294" y="1143000"/>
-            <a:ext cx="2570548" cy="3304441"/>
-          </a:xfrm>
-          <a:prstGeom prst="rect">
-            <a:avLst/>
-          </a:prstGeom>
-        </p:spPr>
-      </p:pic>
-      <p:pic>
-        <p:nvPicPr>
-          <p:cNvPr id="8" name="圖片 7"/>
-          <p:cNvPicPr>
-            <a:picLocks noChangeAspect="1"/>
-          </p:cNvPicPr>
-          <p:nvPr/>
-        </p:nvPicPr>
-        <p:blipFill rotWithShape="1">
-          <a:blip r:embed="rId6"/>
-          <a:srcRect l="19432" t="-1313" r="15487" b="13876"/>
-          <a:stretch/>
-        </p:blipFill>
-        <p:spPr>
-          <a:xfrm>
-            <a:off x="9073661" y="1143000"/>
-            <a:ext cx="2180493" cy="3255402"/>
-          </a:xfrm>
-          <a:prstGeom prst="rect">
-            <a:avLst/>
-          </a:prstGeom>
-        </p:spPr>
-      </p:pic>
-    </p:spTree>
-    <p:extLst>
-      <p:ext uri="{BB962C8B-B14F-4D97-AF65-F5344CB8AC3E}">
-        <p14:creationId xmlns:p14="http://schemas.microsoft.com/office/powerpoint/2010/main" val="723866671"/>
-      </p:ext>
-    </p:extLst>
-  </p:cSld>
-  <p:clrMapOvr>
-    <a:masterClrMapping/>
-  </p:clrMapOvr>
-  <p:transition spd="med">
-    <p:fade/>
-  </p:transition>
-</p:sld>
-</file>
-
-<file path=ppt/slides/slide6.xml><?xml version="1.0" encoding="utf-8"?>
 <p:sld xmlns:a="http://schemas.openxmlformats.org/drawingml/2006/main" xmlns:r="http://schemas.openxmlformats.org/officeDocument/2006/relationships" xmlns:p="http://schemas.openxmlformats.org/presentationml/2006/main">
   <p:cSld>
     <p:spTree>
@@ -35228,7 +34448,27 @@
                 <a:latin typeface="微软雅黑" panose="020B0503020204020204" pitchFamily="34" charset="-122"/>
                 <a:ea typeface="微软雅黑" panose="020B0503020204020204" pitchFamily="34" charset="-122"/>
               </a:rPr>
-              <a:t>提供以地點、名稱、標籤的搜尋方式，讓選擇障礙的你，找出想要的活動</a:t>
+              <a:t>提供以地點、</a:t>
+            </a:r>
+            <a:r>
+              <a:rPr lang="zh-TW" altLang="en-US" sz="2400" dirty="0" smtClean="0">
+                <a:solidFill>
+                  <a:srgbClr val="7F7F7F"/>
+                </a:solidFill>
+                <a:latin typeface="微软雅黑" panose="020B0503020204020204" pitchFamily="34" charset="-122"/>
+                <a:ea typeface="微软雅黑" panose="020B0503020204020204" pitchFamily="34" charset="-122"/>
+              </a:rPr>
+              <a:t>名稱的</a:t>
+            </a:r>
+            <a:r>
+              <a:rPr lang="zh-TW" altLang="en-US" sz="2400" dirty="0" smtClean="0">
+                <a:solidFill>
+                  <a:srgbClr val="7F7F7F"/>
+                </a:solidFill>
+                <a:latin typeface="微软雅黑" panose="020B0503020204020204" pitchFamily="34" charset="-122"/>
+                <a:ea typeface="微软雅黑" panose="020B0503020204020204" pitchFamily="34" charset="-122"/>
+              </a:rPr>
+              <a:t>搜尋方式，讓選擇障礙的你，找出想要的活動</a:t>
             </a:r>
             <a:r>
               <a:rPr lang="en-US" altLang="zh-TW" sz="2400" dirty="0" smtClean="0">
@@ -37252,6 +36492,772 @@
   <p:transition spd="med">
     <p:fade/>
   </p:transition>
+  <p:timing>
+    <p:tnLst>
+      <p:par>
+        <p:cTn id="1" dur="indefinite" restart="never" nodeType="tmRoot"/>
+      </p:par>
+    </p:tnLst>
+  </p:timing>
+</p:sld>
+</file>
+
+<file path=ppt/slides/slide6.xml><?xml version="1.0" encoding="utf-8"?>
+<p:sld xmlns:a="http://schemas.openxmlformats.org/drawingml/2006/main" xmlns:r="http://schemas.openxmlformats.org/officeDocument/2006/relationships" xmlns:p="http://schemas.openxmlformats.org/presentationml/2006/main">
+  <p:cSld>
+    <p:spTree>
+      <p:nvGrpSpPr>
+        <p:cNvPr id="1" name=""/>
+        <p:cNvGrpSpPr/>
+        <p:nvPr/>
+      </p:nvGrpSpPr>
+      <p:grpSpPr>
+        <a:xfrm>
+          <a:off x="0" y="0"/>
+          <a:ext cx="0" cy="0"/>
+          <a:chOff x="0" y="0"/>
+          <a:chExt cx="0" cy="0"/>
+        </a:xfrm>
+      </p:grpSpPr>
+      <p:sp>
+        <p:nvSpPr>
+          <p:cNvPr id="49154" name="文本框 2"/>
+          <p:cNvSpPr txBox="1">
+            <a:spLocks noChangeArrowheads="1"/>
+          </p:cNvSpPr>
+          <p:nvPr/>
+        </p:nvSpPr>
+        <p:spPr bwMode="auto">
+          <a:xfrm>
+            <a:off x="790575" y="128588"/>
+            <a:ext cx="2747868" cy="523220"/>
+          </a:xfrm>
+          <a:prstGeom prst="rect">
+            <a:avLst/>
+          </a:prstGeom>
+          <a:noFill/>
+          <a:ln>
+            <a:noFill/>
+          </a:ln>
+          <a:extLst>
+            <a:ext uri="{909E8E84-426E-40DD-AFC4-6F175D3DCCD1}">
+              <a14:hiddenFill xmlns:a14="http://schemas.microsoft.com/office/drawing/2010/main">
+                <a:solidFill>
+                  <a:srgbClr val="FFFFFF"/>
+                </a:solidFill>
+              </a14:hiddenFill>
+            </a:ext>
+            <a:ext uri="{91240B29-F687-4F45-9708-019B960494DF}">
+              <a14:hiddenLine xmlns:a14="http://schemas.microsoft.com/office/drawing/2010/main" w="9525">
+                <a:solidFill>
+                  <a:srgbClr val="000000"/>
+                </a:solidFill>
+                <a:miter lim="800000"/>
+                <a:headEnd/>
+                <a:tailEnd/>
+              </a14:hiddenLine>
+            </a:ext>
+          </a:extLst>
+        </p:spPr>
+        <p:txBody>
+          <a:bodyPr wrap="none">
+            <a:spAutoFit/>
+          </a:bodyPr>
+          <a:lstStyle>
+            <a:lvl1pPr>
+              <a:defRPr>
+                <a:solidFill>
+                  <a:schemeClr val="tx1"/>
+                </a:solidFill>
+                <a:latin typeface="Calibri" panose="020F0502020204030204" pitchFamily="34" charset="0"/>
+                <a:ea typeface="宋体" panose="02010600030101010101" pitchFamily="2" charset="-122"/>
+              </a:defRPr>
+            </a:lvl1pPr>
+            <a:lvl2pPr marL="742950" indent="-285750">
+              <a:defRPr>
+                <a:solidFill>
+                  <a:schemeClr val="tx1"/>
+                </a:solidFill>
+                <a:latin typeface="Calibri" panose="020F0502020204030204" pitchFamily="34" charset="0"/>
+                <a:ea typeface="宋体" panose="02010600030101010101" pitchFamily="2" charset="-122"/>
+              </a:defRPr>
+            </a:lvl2pPr>
+            <a:lvl3pPr marL="1143000" indent="-228600">
+              <a:defRPr>
+                <a:solidFill>
+                  <a:schemeClr val="tx1"/>
+                </a:solidFill>
+                <a:latin typeface="Calibri" panose="020F0502020204030204" pitchFamily="34" charset="0"/>
+                <a:ea typeface="宋体" panose="02010600030101010101" pitchFamily="2" charset="-122"/>
+              </a:defRPr>
+            </a:lvl3pPr>
+            <a:lvl4pPr marL="1600200" indent="-228600">
+              <a:defRPr>
+                <a:solidFill>
+                  <a:schemeClr val="tx1"/>
+                </a:solidFill>
+                <a:latin typeface="Calibri" panose="020F0502020204030204" pitchFamily="34" charset="0"/>
+                <a:ea typeface="宋体" panose="02010600030101010101" pitchFamily="2" charset="-122"/>
+              </a:defRPr>
+            </a:lvl4pPr>
+            <a:lvl5pPr marL="2057400" indent="-228600">
+              <a:defRPr>
+                <a:solidFill>
+                  <a:schemeClr val="tx1"/>
+                </a:solidFill>
+                <a:latin typeface="Calibri" panose="020F0502020204030204" pitchFamily="34" charset="0"/>
+                <a:ea typeface="宋体" panose="02010600030101010101" pitchFamily="2" charset="-122"/>
+              </a:defRPr>
+            </a:lvl5pPr>
+            <a:lvl6pPr marL="2514600" indent="-228600" eaLnBrk="0" fontAlgn="base" hangingPunct="0">
+              <a:spcBef>
+                <a:spcPct val="0"/>
+              </a:spcBef>
+              <a:spcAft>
+                <a:spcPct val="0"/>
+              </a:spcAft>
+              <a:defRPr>
+                <a:solidFill>
+                  <a:schemeClr val="tx1"/>
+                </a:solidFill>
+                <a:latin typeface="Calibri" panose="020F0502020204030204" pitchFamily="34" charset="0"/>
+                <a:ea typeface="宋体" panose="02010600030101010101" pitchFamily="2" charset="-122"/>
+              </a:defRPr>
+            </a:lvl6pPr>
+            <a:lvl7pPr marL="2971800" indent="-228600" eaLnBrk="0" fontAlgn="base" hangingPunct="0">
+              <a:spcBef>
+                <a:spcPct val="0"/>
+              </a:spcBef>
+              <a:spcAft>
+                <a:spcPct val="0"/>
+              </a:spcAft>
+              <a:defRPr>
+                <a:solidFill>
+                  <a:schemeClr val="tx1"/>
+                </a:solidFill>
+                <a:latin typeface="Calibri" panose="020F0502020204030204" pitchFamily="34" charset="0"/>
+                <a:ea typeface="宋体" panose="02010600030101010101" pitchFamily="2" charset="-122"/>
+              </a:defRPr>
+            </a:lvl7pPr>
+            <a:lvl8pPr marL="3429000" indent="-228600" eaLnBrk="0" fontAlgn="base" hangingPunct="0">
+              <a:spcBef>
+                <a:spcPct val="0"/>
+              </a:spcBef>
+              <a:spcAft>
+                <a:spcPct val="0"/>
+              </a:spcAft>
+              <a:defRPr>
+                <a:solidFill>
+                  <a:schemeClr val="tx1"/>
+                </a:solidFill>
+                <a:latin typeface="Calibri" panose="020F0502020204030204" pitchFamily="34" charset="0"/>
+                <a:ea typeface="宋体" panose="02010600030101010101" pitchFamily="2" charset="-122"/>
+              </a:defRPr>
+            </a:lvl8pPr>
+            <a:lvl9pPr marL="3886200" indent="-228600" eaLnBrk="0" fontAlgn="base" hangingPunct="0">
+              <a:spcBef>
+                <a:spcPct val="0"/>
+              </a:spcBef>
+              <a:spcAft>
+                <a:spcPct val="0"/>
+              </a:spcAft>
+              <a:defRPr>
+                <a:solidFill>
+                  <a:schemeClr val="tx1"/>
+                </a:solidFill>
+                <a:latin typeface="Calibri" panose="020F0502020204030204" pitchFamily="34" charset="0"/>
+                <a:ea typeface="宋体" panose="02010600030101010101" pitchFamily="2" charset="-122"/>
+              </a:defRPr>
+            </a:lvl9pPr>
+          </a:lstStyle>
+          <a:p>
+            <a:pPr marL="0" marR="0" lvl="0" indent="0" algn="l" defTabSz="914400" rtl="0" eaLnBrk="1" fontAlgn="base" latinLnBrk="0" hangingPunct="1">
+              <a:lnSpc>
+                <a:spcPct val="100000"/>
+              </a:lnSpc>
+              <a:spcBef>
+                <a:spcPct val="0"/>
+              </a:spcBef>
+              <a:spcAft>
+                <a:spcPct val="0"/>
+              </a:spcAft>
+              <a:buClrTx/>
+              <a:buSzTx/>
+              <a:buFont typeface="Arial" panose="020B0604020202020204" pitchFamily="34" charset="0"/>
+              <a:buNone/>
+              <a:tabLst/>
+              <a:defRPr/>
+            </a:pPr>
+            <a:r>
+              <a:rPr kumimoji="0" lang="zh-TW" altLang="en-US" sz="2800" b="1" i="0" u="none" strike="noStrike" kern="1200" cap="none" spc="0" normalizeH="0" baseline="0" noProof="0" dirty="0" smtClean="0">
+                <a:ln>
+                  <a:noFill/>
+                </a:ln>
+                <a:solidFill>
+                  <a:srgbClr val="FFFFFF"/>
+                </a:solidFill>
+                <a:effectLst/>
+                <a:uLnTx/>
+                <a:uFillTx/>
+                <a:latin typeface="微软雅黑" panose="020B0503020204020204" pitchFamily="34" charset="-122"/>
+                <a:ea typeface="微软雅黑" panose="020B0503020204020204" pitchFamily="34" charset="-122"/>
+                <a:cs typeface="+mn-cs"/>
+              </a:rPr>
+              <a:t>網站簡介 </a:t>
+            </a:r>
+            <a:r>
+              <a:rPr kumimoji="0" lang="en-US" altLang="zh-TW" sz="2800" b="1" i="0" u="none" strike="noStrike" kern="1200" cap="none" spc="0" normalizeH="0" baseline="0" noProof="0" dirty="0" smtClean="0">
+                <a:ln>
+                  <a:noFill/>
+                </a:ln>
+                <a:solidFill>
+                  <a:srgbClr val="FFFFFF"/>
+                </a:solidFill>
+                <a:effectLst/>
+                <a:uLnTx/>
+                <a:uFillTx/>
+                <a:latin typeface="微软雅黑" panose="020B0503020204020204" pitchFamily="34" charset="-122"/>
+                <a:ea typeface="微软雅黑" panose="020B0503020204020204" pitchFamily="34" charset="-122"/>
+                <a:cs typeface="+mn-cs"/>
+              </a:rPr>
+              <a:t>– </a:t>
+            </a:r>
+            <a:r>
+              <a:rPr kumimoji="0" lang="zh-TW" altLang="en-US" sz="2800" b="1" i="0" u="none" strike="noStrike" kern="1200" cap="none" spc="0" normalizeH="0" baseline="0" noProof="0" dirty="0" smtClean="0">
+                <a:ln>
+                  <a:noFill/>
+                </a:ln>
+                <a:solidFill>
+                  <a:srgbClr val="FFFFFF"/>
+                </a:solidFill>
+                <a:effectLst/>
+                <a:uLnTx/>
+                <a:uFillTx/>
+                <a:latin typeface="微软雅黑" panose="020B0503020204020204" pitchFamily="34" charset="-122"/>
+                <a:ea typeface="微软雅黑" panose="020B0503020204020204" pitchFamily="34" charset="-122"/>
+                <a:cs typeface="+mn-cs"/>
+              </a:rPr>
+              <a:t>網址</a:t>
+            </a:r>
+            <a:endParaRPr kumimoji="0" lang="zh-CN" altLang="en-US" sz="2800" b="1" i="0" u="none" strike="noStrike" kern="1200" cap="none" spc="0" normalizeH="0" baseline="0" noProof="0" dirty="0">
+              <a:ln>
+                <a:noFill/>
+              </a:ln>
+              <a:solidFill>
+                <a:srgbClr val="FFFFFF"/>
+              </a:solidFill>
+              <a:effectLst/>
+              <a:uLnTx/>
+              <a:uFillTx/>
+              <a:latin typeface="微软雅黑" panose="020B0503020204020204" pitchFamily="34" charset="-122"/>
+              <a:ea typeface="微软雅黑" panose="020B0503020204020204" pitchFamily="34" charset="-122"/>
+              <a:cs typeface="+mn-cs"/>
+            </a:endParaRPr>
+          </a:p>
+        </p:txBody>
+      </p:sp>
+      <p:grpSp>
+        <p:nvGrpSpPr>
+          <p:cNvPr id="49155" name="Group 3"/>
+          <p:cNvGrpSpPr>
+            <a:grpSpLocks/>
+          </p:cNvGrpSpPr>
+          <p:nvPr/>
+        </p:nvGrpSpPr>
+        <p:grpSpPr bwMode="auto">
+          <a:xfrm>
+            <a:off x="271463" y="223838"/>
+            <a:ext cx="474662" cy="290512"/>
+            <a:chOff x="0" y="0"/>
+            <a:chExt cx="714375" cy="438150"/>
+          </a:xfrm>
+        </p:grpSpPr>
+        <p:sp>
+          <p:nvSpPr>
+            <p:cNvPr id="49243" name="燕尾形 4"/>
+            <p:cNvSpPr>
+              <a:spLocks noChangeArrowheads="1"/>
+            </p:cNvSpPr>
+            <p:nvPr/>
+          </p:nvSpPr>
+          <p:spPr bwMode="auto">
+            <a:xfrm>
+              <a:off x="0" y="0"/>
+              <a:ext cx="438150" cy="438150"/>
+            </a:xfrm>
+            <a:prstGeom prst="chevron">
+              <a:avLst>
+                <a:gd name="adj" fmla="val 50000"/>
+              </a:avLst>
+            </a:prstGeom>
+            <a:solidFill>
+              <a:srgbClr val="FFC000"/>
+            </a:solidFill>
+            <a:ln>
+              <a:noFill/>
+            </a:ln>
+            <a:extLst>
+              <a:ext uri="{91240B29-F687-4F45-9708-019B960494DF}">
+                <a14:hiddenLine xmlns:a14="http://schemas.microsoft.com/office/drawing/2010/main" w="9525">
+                  <a:solidFill>
+                    <a:srgbClr val="000000"/>
+                  </a:solidFill>
+                  <a:miter lim="800000"/>
+                  <a:headEnd/>
+                  <a:tailEnd/>
+                </a14:hiddenLine>
+              </a:ext>
+            </a:extLst>
+          </p:spPr>
+          <p:txBody>
+            <a:bodyPr anchor="ctr"/>
+            <a:lstStyle>
+              <a:lvl1pPr>
+                <a:defRPr>
+                  <a:solidFill>
+                    <a:schemeClr val="tx1"/>
+                  </a:solidFill>
+                  <a:latin typeface="Calibri" panose="020F0502020204030204" pitchFamily="34" charset="0"/>
+                  <a:ea typeface="宋体" panose="02010600030101010101" pitchFamily="2" charset="-122"/>
+                </a:defRPr>
+              </a:lvl1pPr>
+              <a:lvl2pPr marL="742950" indent="-285750">
+                <a:defRPr>
+                  <a:solidFill>
+                    <a:schemeClr val="tx1"/>
+                  </a:solidFill>
+                  <a:latin typeface="Calibri" panose="020F0502020204030204" pitchFamily="34" charset="0"/>
+                  <a:ea typeface="宋体" panose="02010600030101010101" pitchFamily="2" charset="-122"/>
+                </a:defRPr>
+              </a:lvl2pPr>
+              <a:lvl3pPr marL="1143000" indent="-228600">
+                <a:defRPr>
+                  <a:solidFill>
+                    <a:schemeClr val="tx1"/>
+                  </a:solidFill>
+                  <a:latin typeface="Calibri" panose="020F0502020204030204" pitchFamily="34" charset="0"/>
+                  <a:ea typeface="宋体" panose="02010600030101010101" pitchFamily="2" charset="-122"/>
+                </a:defRPr>
+              </a:lvl3pPr>
+              <a:lvl4pPr marL="1600200" indent="-228600">
+                <a:defRPr>
+                  <a:solidFill>
+                    <a:schemeClr val="tx1"/>
+                  </a:solidFill>
+                  <a:latin typeface="Calibri" panose="020F0502020204030204" pitchFamily="34" charset="0"/>
+                  <a:ea typeface="宋体" panose="02010600030101010101" pitchFamily="2" charset="-122"/>
+                </a:defRPr>
+              </a:lvl4pPr>
+              <a:lvl5pPr marL="2057400" indent="-228600">
+                <a:defRPr>
+                  <a:solidFill>
+                    <a:schemeClr val="tx1"/>
+                  </a:solidFill>
+                  <a:latin typeface="Calibri" panose="020F0502020204030204" pitchFamily="34" charset="0"/>
+                  <a:ea typeface="宋体" panose="02010600030101010101" pitchFamily="2" charset="-122"/>
+                </a:defRPr>
+              </a:lvl5pPr>
+              <a:lvl6pPr marL="2514600" indent="-228600" eaLnBrk="0" fontAlgn="base" hangingPunct="0">
+                <a:spcBef>
+                  <a:spcPct val="0"/>
+                </a:spcBef>
+                <a:spcAft>
+                  <a:spcPct val="0"/>
+                </a:spcAft>
+                <a:defRPr>
+                  <a:solidFill>
+                    <a:schemeClr val="tx1"/>
+                  </a:solidFill>
+                  <a:latin typeface="Calibri" panose="020F0502020204030204" pitchFamily="34" charset="0"/>
+                  <a:ea typeface="宋体" panose="02010600030101010101" pitchFamily="2" charset="-122"/>
+                </a:defRPr>
+              </a:lvl6pPr>
+              <a:lvl7pPr marL="2971800" indent="-228600" eaLnBrk="0" fontAlgn="base" hangingPunct="0">
+                <a:spcBef>
+                  <a:spcPct val="0"/>
+                </a:spcBef>
+                <a:spcAft>
+                  <a:spcPct val="0"/>
+                </a:spcAft>
+                <a:defRPr>
+                  <a:solidFill>
+                    <a:schemeClr val="tx1"/>
+                  </a:solidFill>
+                  <a:latin typeface="Calibri" panose="020F0502020204030204" pitchFamily="34" charset="0"/>
+                  <a:ea typeface="宋体" panose="02010600030101010101" pitchFamily="2" charset="-122"/>
+                </a:defRPr>
+              </a:lvl7pPr>
+              <a:lvl8pPr marL="3429000" indent="-228600" eaLnBrk="0" fontAlgn="base" hangingPunct="0">
+                <a:spcBef>
+                  <a:spcPct val="0"/>
+                </a:spcBef>
+                <a:spcAft>
+                  <a:spcPct val="0"/>
+                </a:spcAft>
+                <a:defRPr>
+                  <a:solidFill>
+                    <a:schemeClr val="tx1"/>
+                  </a:solidFill>
+                  <a:latin typeface="Calibri" panose="020F0502020204030204" pitchFamily="34" charset="0"/>
+                  <a:ea typeface="宋体" panose="02010600030101010101" pitchFamily="2" charset="-122"/>
+                </a:defRPr>
+              </a:lvl8pPr>
+              <a:lvl9pPr marL="3886200" indent="-228600" eaLnBrk="0" fontAlgn="base" hangingPunct="0">
+                <a:spcBef>
+                  <a:spcPct val="0"/>
+                </a:spcBef>
+                <a:spcAft>
+                  <a:spcPct val="0"/>
+                </a:spcAft>
+                <a:defRPr>
+                  <a:solidFill>
+                    <a:schemeClr val="tx1"/>
+                  </a:solidFill>
+                  <a:latin typeface="Calibri" panose="020F0502020204030204" pitchFamily="34" charset="0"/>
+                  <a:ea typeface="宋体" panose="02010600030101010101" pitchFamily="2" charset="-122"/>
+                </a:defRPr>
+              </a:lvl9pPr>
+            </a:lstStyle>
+            <a:p>
+              <a:pPr marL="0" marR="0" lvl="0" indent="0" algn="ctr" defTabSz="914400" rtl="0" eaLnBrk="1" fontAlgn="base" latinLnBrk="0" hangingPunct="1">
+                <a:lnSpc>
+                  <a:spcPct val="100000"/>
+                </a:lnSpc>
+                <a:spcBef>
+                  <a:spcPct val="0"/>
+                </a:spcBef>
+                <a:spcAft>
+                  <a:spcPct val="0"/>
+                </a:spcAft>
+                <a:buClrTx/>
+                <a:buSzTx/>
+                <a:buFont typeface="Arial" panose="020B0604020202020204" pitchFamily="34" charset="0"/>
+                <a:buNone/>
+                <a:tabLst/>
+                <a:defRPr/>
+              </a:pPr>
+              <a:endParaRPr kumimoji="0" lang="zh-CN" altLang="en-US" sz="1800" b="0" i="0" u="none" strike="noStrike" kern="1200" cap="none" spc="0" normalizeH="0" baseline="0" noProof="0">
+                <a:ln>
+                  <a:noFill/>
+                </a:ln>
+                <a:solidFill>
+                  <a:srgbClr val="000000"/>
+                </a:solidFill>
+                <a:effectLst/>
+                <a:uLnTx/>
+                <a:uFillTx/>
+                <a:latin typeface="Calibri" panose="020F0502020204030204" pitchFamily="34" charset="0"/>
+                <a:ea typeface="宋体" panose="02010600030101010101" pitchFamily="2" charset="-122"/>
+                <a:cs typeface="+mn-cs"/>
+              </a:endParaRPr>
+            </a:p>
+          </p:txBody>
+        </p:sp>
+        <p:sp>
+          <p:nvSpPr>
+            <p:cNvPr id="49244" name="燕尾形 5"/>
+            <p:cNvSpPr>
+              <a:spLocks noChangeArrowheads="1"/>
+            </p:cNvSpPr>
+            <p:nvPr/>
+          </p:nvSpPr>
+          <p:spPr bwMode="auto">
+            <a:xfrm>
+              <a:off x="276225" y="0"/>
+              <a:ext cx="438150" cy="438150"/>
+            </a:xfrm>
+            <a:prstGeom prst="chevron">
+              <a:avLst>
+                <a:gd name="adj" fmla="val 50000"/>
+              </a:avLst>
+            </a:prstGeom>
+            <a:solidFill>
+              <a:schemeClr val="bg1"/>
+            </a:solidFill>
+            <a:ln>
+              <a:noFill/>
+            </a:ln>
+            <a:extLst>
+              <a:ext uri="{91240B29-F687-4F45-9708-019B960494DF}">
+                <a14:hiddenLine xmlns:a14="http://schemas.microsoft.com/office/drawing/2010/main" w="9525">
+                  <a:solidFill>
+                    <a:srgbClr val="000000"/>
+                  </a:solidFill>
+                  <a:miter lim="800000"/>
+                  <a:headEnd/>
+                  <a:tailEnd/>
+                </a14:hiddenLine>
+              </a:ext>
+            </a:extLst>
+          </p:spPr>
+          <p:txBody>
+            <a:bodyPr anchor="ctr"/>
+            <a:lstStyle>
+              <a:lvl1pPr>
+                <a:defRPr>
+                  <a:solidFill>
+                    <a:schemeClr val="tx1"/>
+                  </a:solidFill>
+                  <a:latin typeface="Calibri" panose="020F0502020204030204" pitchFamily="34" charset="0"/>
+                  <a:ea typeface="宋体" panose="02010600030101010101" pitchFamily="2" charset="-122"/>
+                </a:defRPr>
+              </a:lvl1pPr>
+              <a:lvl2pPr marL="742950" indent="-285750">
+                <a:defRPr>
+                  <a:solidFill>
+                    <a:schemeClr val="tx1"/>
+                  </a:solidFill>
+                  <a:latin typeface="Calibri" panose="020F0502020204030204" pitchFamily="34" charset="0"/>
+                  <a:ea typeface="宋体" panose="02010600030101010101" pitchFamily="2" charset="-122"/>
+                </a:defRPr>
+              </a:lvl2pPr>
+              <a:lvl3pPr marL="1143000" indent="-228600">
+                <a:defRPr>
+                  <a:solidFill>
+                    <a:schemeClr val="tx1"/>
+                  </a:solidFill>
+                  <a:latin typeface="Calibri" panose="020F0502020204030204" pitchFamily="34" charset="0"/>
+                  <a:ea typeface="宋体" panose="02010600030101010101" pitchFamily="2" charset="-122"/>
+                </a:defRPr>
+              </a:lvl3pPr>
+              <a:lvl4pPr marL="1600200" indent="-228600">
+                <a:defRPr>
+                  <a:solidFill>
+                    <a:schemeClr val="tx1"/>
+                  </a:solidFill>
+                  <a:latin typeface="Calibri" panose="020F0502020204030204" pitchFamily="34" charset="0"/>
+                  <a:ea typeface="宋体" panose="02010600030101010101" pitchFamily="2" charset="-122"/>
+                </a:defRPr>
+              </a:lvl4pPr>
+              <a:lvl5pPr marL="2057400" indent="-228600">
+                <a:defRPr>
+                  <a:solidFill>
+                    <a:schemeClr val="tx1"/>
+                  </a:solidFill>
+                  <a:latin typeface="Calibri" panose="020F0502020204030204" pitchFamily="34" charset="0"/>
+                  <a:ea typeface="宋体" panose="02010600030101010101" pitchFamily="2" charset="-122"/>
+                </a:defRPr>
+              </a:lvl5pPr>
+              <a:lvl6pPr marL="2514600" indent="-228600" eaLnBrk="0" fontAlgn="base" hangingPunct="0">
+                <a:spcBef>
+                  <a:spcPct val="0"/>
+                </a:spcBef>
+                <a:spcAft>
+                  <a:spcPct val="0"/>
+                </a:spcAft>
+                <a:defRPr>
+                  <a:solidFill>
+                    <a:schemeClr val="tx1"/>
+                  </a:solidFill>
+                  <a:latin typeface="Calibri" panose="020F0502020204030204" pitchFamily="34" charset="0"/>
+                  <a:ea typeface="宋体" panose="02010600030101010101" pitchFamily="2" charset="-122"/>
+                </a:defRPr>
+              </a:lvl6pPr>
+              <a:lvl7pPr marL="2971800" indent="-228600" eaLnBrk="0" fontAlgn="base" hangingPunct="0">
+                <a:spcBef>
+                  <a:spcPct val="0"/>
+                </a:spcBef>
+                <a:spcAft>
+                  <a:spcPct val="0"/>
+                </a:spcAft>
+                <a:defRPr>
+                  <a:solidFill>
+                    <a:schemeClr val="tx1"/>
+                  </a:solidFill>
+                  <a:latin typeface="Calibri" panose="020F0502020204030204" pitchFamily="34" charset="0"/>
+                  <a:ea typeface="宋体" panose="02010600030101010101" pitchFamily="2" charset="-122"/>
+                </a:defRPr>
+              </a:lvl7pPr>
+              <a:lvl8pPr marL="3429000" indent="-228600" eaLnBrk="0" fontAlgn="base" hangingPunct="0">
+                <a:spcBef>
+                  <a:spcPct val="0"/>
+                </a:spcBef>
+                <a:spcAft>
+                  <a:spcPct val="0"/>
+                </a:spcAft>
+                <a:defRPr>
+                  <a:solidFill>
+                    <a:schemeClr val="tx1"/>
+                  </a:solidFill>
+                  <a:latin typeface="Calibri" panose="020F0502020204030204" pitchFamily="34" charset="0"/>
+                  <a:ea typeface="宋体" panose="02010600030101010101" pitchFamily="2" charset="-122"/>
+                </a:defRPr>
+              </a:lvl8pPr>
+              <a:lvl9pPr marL="3886200" indent="-228600" eaLnBrk="0" fontAlgn="base" hangingPunct="0">
+                <a:spcBef>
+                  <a:spcPct val="0"/>
+                </a:spcBef>
+                <a:spcAft>
+                  <a:spcPct val="0"/>
+                </a:spcAft>
+                <a:defRPr>
+                  <a:solidFill>
+                    <a:schemeClr val="tx1"/>
+                  </a:solidFill>
+                  <a:latin typeface="Calibri" panose="020F0502020204030204" pitchFamily="34" charset="0"/>
+                  <a:ea typeface="宋体" panose="02010600030101010101" pitchFamily="2" charset="-122"/>
+                </a:defRPr>
+              </a:lvl9pPr>
+            </a:lstStyle>
+            <a:p>
+              <a:pPr marL="0" marR="0" lvl="0" indent="0" algn="ctr" defTabSz="914400" rtl="0" eaLnBrk="1" fontAlgn="base" latinLnBrk="0" hangingPunct="1">
+                <a:lnSpc>
+                  <a:spcPct val="100000"/>
+                </a:lnSpc>
+                <a:spcBef>
+                  <a:spcPct val="0"/>
+                </a:spcBef>
+                <a:spcAft>
+                  <a:spcPct val="0"/>
+                </a:spcAft>
+                <a:buClrTx/>
+                <a:buSzTx/>
+                <a:buFont typeface="Arial" panose="020B0604020202020204" pitchFamily="34" charset="0"/>
+                <a:buNone/>
+                <a:tabLst/>
+                <a:defRPr/>
+              </a:pPr>
+              <a:endParaRPr kumimoji="0" lang="zh-CN" altLang="en-US" sz="1800" b="0" i="0" u="none" strike="noStrike" kern="1200" cap="none" spc="0" normalizeH="0" baseline="0" noProof="0">
+                <a:ln>
+                  <a:noFill/>
+                </a:ln>
+                <a:solidFill>
+                  <a:srgbClr val="000000"/>
+                </a:solidFill>
+                <a:effectLst/>
+                <a:uLnTx/>
+                <a:uFillTx/>
+                <a:latin typeface="Calibri" panose="020F0502020204030204" pitchFamily="34" charset="0"/>
+                <a:ea typeface="宋体" panose="02010600030101010101" pitchFamily="2" charset="-122"/>
+                <a:cs typeface="+mn-cs"/>
+              </a:endParaRPr>
+            </a:p>
+          </p:txBody>
+        </p:sp>
+      </p:grpSp>
+      <p:pic>
+        <p:nvPicPr>
+          <p:cNvPr id="2" name="圖片 1"/>
+          <p:cNvPicPr>
+            <a:picLocks noChangeAspect="1"/>
+          </p:cNvPicPr>
+          <p:nvPr/>
+        </p:nvPicPr>
+        <p:blipFill>
+          <a:blip r:embed="rId3"/>
+          <a:stretch>
+            <a:fillRect/>
+          </a:stretch>
+        </p:blipFill>
+        <p:spPr>
+          <a:xfrm>
+            <a:off x="746125" y="1143000"/>
+            <a:ext cx="4947327" cy="5116756"/>
+          </a:xfrm>
+          <a:prstGeom prst="rect">
+            <a:avLst/>
+          </a:prstGeom>
+        </p:spPr>
+      </p:pic>
+      <p:sp>
+        <p:nvSpPr>
+          <p:cNvPr id="3" name="文字方塊 2"/>
+          <p:cNvSpPr txBox="1"/>
+          <p:nvPr/>
+        </p:nvSpPr>
+        <p:spPr>
+          <a:xfrm>
+            <a:off x="6471137" y="5855676"/>
+            <a:ext cx="6655777" cy="523220"/>
+          </a:xfrm>
+          <a:prstGeom prst="rect">
+            <a:avLst/>
+          </a:prstGeom>
+          <a:noFill/>
+        </p:spPr>
+        <p:txBody>
+          <a:bodyPr wrap="square" rtlCol="0">
+            <a:spAutoFit/>
+          </a:bodyPr>
+          <a:lstStyle/>
+          <a:p>
+            <a:r>
+              <a:rPr lang="en-US" altLang="zh-TW" sz="2800" dirty="0">
+                <a:hlinkClick r:id="rId4"/>
+              </a:rPr>
+              <a:t>http://140.121.199.231:27018/index</a:t>
+            </a:r>
+            <a:endParaRPr lang="zh-TW" altLang="en-US" sz="2800" dirty="0"/>
+          </a:p>
+        </p:txBody>
+      </p:sp>
+      <p:pic>
+        <p:nvPicPr>
+          <p:cNvPr id="4" name="圖片 3"/>
+          <p:cNvPicPr>
+            <a:picLocks noChangeAspect="1"/>
+          </p:cNvPicPr>
+          <p:nvPr/>
+        </p:nvPicPr>
+        <p:blipFill>
+          <a:blip r:embed="rId5"/>
+          <a:stretch>
+            <a:fillRect/>
+          </a:stretch>
+        </p:blipFill>
+        <p:spPr>
+          <a:xfrm>
+            <a:off x="5876294" y="1143000"/>
+            <a:ext cx="2570548" cy="3304441"/>
+          </a:xfrm>
+          <a:prstGeom prst="rect">
+            <a:avLst/>
+          </a:prstGeom>
+        </p:spPr>
+      </p:pic>
+      <p:pic>
+        <p:nvPicPr>
+          <p:cNvPr id="8" name="圖片 7"/>
+          <p:cNvPicPr>
+            <a:picLocks noChangeAspect="1"/>
+          </p:cNvPicPr>
+          <p:nvPr/>
+        </p:nvPicPr>
+        <p:blipFill rotWithShape="1">
+          <a:blip r:embed="rId6"/>
+          <a:srcRect l="19432" t="-1313" r="15487" b="13876"/>
+          <a:stretch/>
+        </p:blipFill>
+        <p:spPr>
+          <a:xfrm>
+            <a:off x="9073661" y="1143000"/>
+            <a:ext cx="2180493" cy="3255402"/>
+          </a:xfrm>
+          <a:prstGeom prst="rect">
+            <a:avLst/>
+          </a:prstGeom>
+        </p:spPr>
+      </p:pic>
+    </p:spTree>
+    <p:extLst>
+      <p:ext uri="{BB962C8B-B14F-4D97-AF65-F5344CB8AC3E}">
+        <p14:creationId xmlns:p14="http://schemas.microsoft.com/office/powerpoint/2010/main" val="723866671"/>
+      </p:ext>
+    </p:extLst>
+  </p:cSld>
+  <p:clrMapOvr>
+    <a:masterClrMapping/>
+  </p:clrMapOvr>
+  <p:transition spd="med">
+    <p:fade/>
+  </p:transition>
+  <p:timing>
+    <p:tnLst>
+      <p:par>
+        <p:cTn id="1" dur="indefinite" restart="never" nodeType="tmRoot"/>
+      </p:par>
+    </p:tnLst>
+  </p:timing>
 </p:sld>
 </file>
 
@@ -38876,6 +38882,13 @@
   <p:transition spd="med">
     <p:fade/>
   </p:transition>
+  <p:timing>
+    <p:tnLst>
+      <p:par>
+        <p:cTn id="1" dur="indefinite" restart="never" nodeType="tmRoot"/>
+      </p:par>
+    </p:tnLst>
+  </p:timing>
 </p:sld>
 </file>
 
